--- a/artifacts/Human-Centered-Design-Artifacts/MS ADPQ Personas.pptx
+++ b/artifacts/Human-Centered-Design-Artifacts/MS ADPQ Personas.pptx
@@ -267,7 +267,7 @@
             <a:fld id="{742FD1D2-ACA6-6D4E-8B73-71DF09392A82}" type="datetimeFigureOut">
               <a:rPr lang="en-US" smtClean="0"/>
               <a:pPr/>
-              <a:t>9/26/2016</a:t>
+              <a:t>10/12/2016</a:t>
             </a:fld>
             <a:endParaRPr lang="en-US"/>
           </a:p>
@@ -435,7 +435,7 @@
             <a:fld id="{B0F12EA9-E7AC-AA41-BEB7-B19F7A8A4E88}" type="datetimeFigureOut">
               <a:rPr lang="en-US" smtClean="0"/>
               <a:pPr/>
-              <a:t>9/26/2016</a:t>
+              <a:t>10/12/2016</a:t>
             </a:fld>
             <a:endParaRPr lang="en-US"/>
           </a:p>
@@ -4823,9 +4823,17 @@
           <a:bodyPr/>
           <a:lstStyle/>
           <a:p>
+            <a:pPr algn="ctr"/>
             <a:r>
               <a:rPr lang="en-US" sz="3200" dirty="0" smtClean="0"/>
-              <a:t>Hannah Adams</a:t>
+              <a:t>Megan A.</a:t>
+            </a:r>
+            <a:br>
+              <a:rPr lang="en-US" sz="3200" dirty="0" smtClean="0"/>
+            </a:br>
+            <a:r>
+              <a:rPr lang="en-US" sz="800" dirty="0" smtClean="0"/>
+              <a:t>(Megan’s profile is derived from the collective findings of user research including user interviews and Mississippi background research)</a:t>
             </a:r>
             <a:endParaRPr lang="en-US" sz="3200" dirty="0"/>
           </a:p>
@@ -5061,11 +5069,6 @@
               </a:rPr>
               <a:t>37</a:t>
             </a:r>
-            <a:endParaRPr lang="en-US" sz="1400" dirty="0" smtClean="0">
-              <a:solidFill>
-                <a:srgbClr val="00565B"/>
-              </a:solidFill>
-            </a:endParaRPr>
           </a:p>
           <a:p>
             <a:r>
@@ -7467,15 +7470,31 @@
           <a:bodyPr/>
           <a:lstStyle/>
           <a:p>
+            <a:pPr algn="ctr"/>
             <a:r>
               <a:rPr lang="en-US" sz="2800" dirty="0" smtClean="0"/>
-              <a:t>Megan </a:t>
-            </a:r>
-            <a:r>
-              <a:rPr lang="en-US" sz="2800" dirty="0" err="1" smtClean="0"/>
-              <a:t>O’brien</a:t>
-            </a:r>
-            <a:endParaRPr lang="en-US" sz="2800" dirty="0"/>
+              <a:t>Hannah </a:t>
+            </a:r>
+            <a:r>
+              <a:rPr lang="en-US" sz="2800" dirty="0"/>
+              <a:t>M.</a:t>
+            </a:r>
+            <a:br>
+              <a:rPr lang="en-US" sz="2800" dirty="0"/>
+            </a:br>
+            <a:r>
+              <a:rPr lang="en-US" sz="800" dirty="0" smtClean="0"/>
+              <a:t>(Hannah's </a:t>
+            </a:r>
+            <a:r>
+              <a:rPr lang="en-US" sz="800" dirty="0"/>
+              <a:t>profile was created directly from a real user </a:t>
+            </a:r>
+            <a:r>
+              <a:rPr lang="en-US" sz="800" dirty="0" smtClean="0"/>
+              <a:t>experience)</a:t>
+            </a:r>
+            <a:endParaRPr lang="en-US" sz="800" dirty="0"/>
           </a:p>
         </p:txBody>
       </p:sp>
@@ -7717,101 +7736,16 @@
                   <a:srgbClr val="00565B"/>
                 </a:solidFill>
               </a:rPr>
-              <a:t>Bio</a:t>
-            </a:r>
-            <a:r>
-              <a:rPr lang="en-US" sz="1600" b="1" dirty="0" smtClean="0">
+              <a:t>Bio: </a:t>
+            </a:r>
+            <a:r>
+              <a:rPr lang="en-US" sz="1400" dirty="0" smtClean="0">
                 <a:solidFill>
                   <a:srgbClr val="00565B"/>
                 </a:solidFill>
               </a:rPr>
-              <a:t>: </a:t>
-            </a:r>
-            <a:r>
-              <a:rPr lang="en-US" sz="1400" dirty="0" smtClean="0">
-                <a:solidFill>
-                  <a:srgbClr val="00565B"/>
-                </a:solidFill>
-              </a:rPr>
-              <a:t>Megan is a young, socially conscience </a:t>
-            </a:r>
-            <a:r>
-              <a:rPr lang="en-US" sz="1400" dirty="0" smtClean="0">
-                <a:solidFill>
-                  <a:srgbClr val="00565B"/>
-                </a:solidFill>
-              </a:rPr>
-              <a:t>and independent woman </a:t>
-            </a:r>
-            <a:r>
-              <a:rPr lang="en-US" sz="1400" dirty="0" smtClean="0">
-                <a:solidFill>
-                  <a:srgbClr val="00565B"/>
-                </a:solidFill>
-              </a:rPr>
-              <a:t>focused on bettering her community and the lives of her family, friends and neighbors</a:t>
-            </a:r>
-            <a:r>
-              <a:rPr lang="en-US" sz="1400" dirty="0" smtClean="0">
-                <a:solidFill>
-                  <a:srgbClr val="00565B"/>
-                </a:solidFill>
-              </a:rPr>
-              <a:t>. When </a:t>
-            </a:r>
-            <a:r>
-              <a:rPr lang="en-US" sz="1400" dirty="0" smtClean="0">
-                <a:solidFill>
-                  <a:srgbClr val="00565B"/>
-                </a:solidFill>
-              </a:rPr>
-              <a:t>Megan is not working her full-time job, she is active in her church and raising her 2 </a:t>
-            </a:r>
-            <a:r>
-              <a:rPr lang="en-US" sz="1400" dirty="0" smtClean="0">
-                <a:solidFill>
-                  <a:srgbClr val="00565B"/>
-                </a:solidFill>
-              </a:rPr>
-              <a:t>year old </a:t>
-            </a:r>
-            <a:r>
-              <a:rPr lang="en-US" sz="1400" dirty="0" smtClean="0">
-                <a:solidFill>
-                  <a:srgbClr val="00565B"/>
-                </a:solidFill>
-              </a:rPr>
-              <a:t>foster son. She is a first time foster parent and is raising a special needs child </a:t>
-            </a:r>
-            <a:r>
-              <a:rPr lang="en-US" sz="1400" dirty="0" smtClean="0">
-                <a:solidFill>
-                  <a:srgbClr val="00565B"/>
-                </a:solidFill>
-              </a:rPr>
-              <a:t>requiring </a:t>
-            </a:r>
-            <a:r>
-              <a:rPr lang="en-US" sz="1400" dirty="0" smtClean="0">
-                <a:solidFill>
-                  <a:srgbClr val="00565B"/>
-                </a:solidFill>
-              </a:rPr>
-              <a:t>constant support and socialization. </a:t>
-            </a:r>
-            <a:r>
-              <a:rPr lang="en-US" sz="1400" dirty="0" smtClean="0">
-                <a:solidFill>
-                  <a:srgbClr val="00565B"/>
-                </a:solidFill>
-              </a:rPr>
-              <a:t>She always wants the best and does lots research when seeking services for her foster son. </a:t>
-            </a:r>
-            <a:endParaRPr lang="en-US" sz="1400" dirty="0" smtClean="0">
-              <a:solidFill>
-                <a:srgbClr val="00565B"/>
-              </a:solidFill>
-            </a:endParaRPr>
+              <a:t>Megan is a young, socially conscience and independent woman focused on bettering her community and the lives of her family, friends and neighbors. When Megan is not working her full-time job, she is active in her church and raising her 2 year old foster son. She is a first time foster parent and is raising a special needs child requiring constant support and socialization. She always wants the best and does lots research when seeking services for her foster son. </a:t>
+            </a:r>
           </a:p>
           <a:p>
             <a:r>
@@ -8044,21 +7978,8 @@
                   <a:srgbClr val="00565B"/>
                 </a:solidFill>
               </a:rPr>
-              <a:t>To help her foster son socialize and find </a:t>
-            </a:r>
-            <a:r>
-              <a:rPr lang="en-US" sz="1400" dirty="0" smtClean="0">
-                <a:solidFill>
-                  <a:srgbClr val="00565B"/>
-                </a:solidFill>
-              </a:rPr>
-              <a:t>stability</a:t>
-            </a:r>
-            <a:endParaRPr lang="en-US" sz="1400" dirty="0" smtClean="0">
-              <a:solidFill>
-                <a:srgbClr val="00565B"/>
-              </a:solidFill>
-            </a:endParaRPr>
+              <a:t>To help her foster son socialize and find stability</a:t>
+            </a:r>
           </a:p>
           <a:p>
             <a:pPr marL="285750" indent="-285750">
@@ -8071,21 +7992,8 @@
                   <a:srgbClr val="00565B"/>
                 </a:solidFill>
               </a:rPr>
-              <a:t>To find affordable childcare </a:t>
-            </a:r>
-            <a:r>
-              <a:rPr lang="en-US" sz="1400" dirty="0" smtClean="0">
-                <a:solidFill>
-                  <a:srgbClr val="00565B"/>
-                </a:solidFill>
-              </a:rPr>
-              <a:t>services</a:t>
-            </a:r>
-            <a:endParaRPr lang="en-US" sz="1400" dirty="0" smtClean="0">
-              <a:solidFill>
-                <a:srgbClr val="00565B"/>
-              </a:solidFill>
-            </a:endParaRPr>
+              <a:t>To find affordable childcare services</a:t>
+            </a:r>
           </a:p>
           <a:p>
             <a:pPr marL="285750" indent="-285750">
@@ -8098,21 +8006,8 @@
                   <a:srgbClr val="00565B"/>
                 </a:solidFill>
               </a:rPr>
-              <a:t>To get her son the therapy and professional help his special needs </a:t>
-            </a:r>
-            <a:r>
-              <a:rPr lang="en-US" sz="1400" dirty="0" smtClean="0">
-                <a:solidFill>
-                  <a:srgbClr val="00565B"/>
-                </a:solidFill>
-              </a:rPr>
-              <a:t>require</a:t>
-            </a:r>
-            <a:endParaRPr lang="en-US" sz="1400" dirty="0" smtClean="0">
-              <a:solidFill>
-                <a:srgbClr val="00565B"/>
-              </a:solidFill>
-            </a:endParaRPr>
+              <a:t>To get her son the therapy and professional help his special needs require</a:t>
+            </a:r>
           </a:p>
           <a:p>
             <a:r>
@@ -8135,21 +8030,8 @@
                   <a:srgbClr val="00565B"/>
                 </a:solidFill>
               </a:rPr>
-              <a:t>Lack of available foster care </a:t>
-            </a:r>
-            <a:r>
-              <a:rPr lang="en-US" sz="1400" dirty="0" smtClean="0">
-                <a:solidFill>
-                  <a:srgbClr val="00565B"/>
-                </a:solidFill>
-              </a:rPr>
-              <a:t>resources</a:t>
-            </a:r>
-            <a:endParaRPr lang="en-US" sz="1400" dirty="0" smtClean="0">
-              <a:solidFill>
-                <a:srgbClr val="00565B"/>
-              </a:solidFill>
-            </a:endParaRPr>
+              <a:t>Lack of available foster care resources</a:t>
+            </a:r>
           </a:p>
           <a:p>
             <a:pPr marL="285750" indent="-285750">
@@ -8162,21 +8044,8 @@
                   <a:srgbClr val="00565B"/>
                 </a:solidFill>
               </a:rPr>
-              <a:t>Unaffordable childcare service options and inadequate state financial </a:t>
-            </a:r>
-            <a:r>
-              <a:rPr lang="en-US" sz="1400" dirty="0" smtClean="0">
-                <a:solidFill>
-                  <a:srgbClr val="00565B"/>
-                </a:solidFill>
-              </a:rPr>
-              <a:t>support</a:t>
-            </a:r>
-            <a:endParaRPr lang="en-US" sz="1400" dirty="0" smtClean="0">
-              <a:solidFill>
-                <a:srgbClr val="00565B"/>
-              </a:solidFill>
-            </a:endParaRPr>
+              <a:t>Unaffordable childcare service options and inadequate state financial support</a:t>
+            </a:r>
           </a:p>
           <a:p>
             <a:endParaRPr lang="en-US" sz="1600" dirty="0" smtClean="0">
@@ -10541,11 +10410,27 @@
           <a:bodyPr/>
           <a:lstStyle/>
           <a:p>
+            <a:pPr algn="ctr"/>
             <a:r>
               <a:rPr lang="en-US" sz="3200" dirty="0" smtClean="0"/>
-              <a:t>Jill Lourdes</a:t>
-            </a:r>
-            <a:endParaRPr lang="en-US" sz="3200" dirty="0"/>
+              <a:t>Jill </a:t>
+            </a:r>
+            <a:r>
+              <a:rPr lang="en-US" sz="3200" dirty="0"/>
+              <a:t>L.</a:t>
+            </a:r>
+            <a:br>
+              <a:rPr lang="en-US" sz="3200" dirty="0"/>
+            </a:br>
+            <a:r>
+              <a:rPr lang="en-US" sz="800" dirty="0" smtClean="0"/>
+              <a:t>(Jill’s </a:t>
+            </a:r>
+            <a:r>
+              <a:rPr lang="en-US" sz="800" dirty="0"/>
+              <a:t>profile is derived from the collective experiences of former Mississippi case workers interviewed in a case worker web conference)</a:t>
+            </a:r>
+            <a:endParaRPr lang="en-US" sz="800" dirty="0"/>
           </a:p>
         </p:txBody>
       </p:sp>
@@ -10743,11 +10628,6 @@
               </a:rPr>
               <a:t>Case Worker (MDHS employed)</a:t>
             </a:r>
-            <a:endParaRPr lang="en-US" sz="1400" dirty="0" smtClean="0">
-              <a:solidFill>
-                <a:srgbClr val="00565B"/>
-              </a:solidFill>
-            </a:endParaRPr>
           </a:p>
           <a:p>
             <a:r>
@@ -10784,11 +10664,6 @@
               </a:rPr>
               <a:t>43</a:t>
             </a:r>
-            <a:endParaRPr lang="en-US" sz="1400" dirty="0" smtClean="0">
-              <a:solidFill>
-                <a:srgbClr val="00565B"/>
-              </a:solidFill>
-            </a:endParaRPr>
           </a:p>
           <a:p>
             <a:r>
@@ -10797,37 +10672,16 @@
                   <a:srgbClr val="00565B"/>
                 </a:solidFill>
               </a:rPr>
-              <a:t>Bio</a:t>
-            </a:r>
-            <a:r>
-              <a:rPr lang="en-US" sz="1600" b="1" dirty="0" smtClean="0">
+              <a:t>Bio: </a:t>
+            </a:r>
+            <a:r>
+              <a:rPr lang="en-US" sz="1400" dirty="0" smtClean="0">
                 <a:solidFill>
                   <a:srgbClr val="00565B"/>
                 </a:solidFill>
               </a:rPr>
-              <a:t>: </a:t>
-            </a:r>
-            <a:r>
-              <a:rPr lang="en-US" sz="1400" dirty="0" smtClean="0">
-                <a:solidFill>
-                  <a:srgbClr val="00565B"/>
-                </a:solidFill>
-              </a:rPr>
-              <a:t>Jill has been a caseworker 7 years with the state. Her caseload averages around 22 kids at any given time (3-4 of which are foster children). She makes sure to visit each child twice a month on top of many other duties. Jill </a:t>
-            </a:r>
-            <a:r>
-              <a:rPr lang="en-US" sz="1400" dirty="0" smtClean="0">
-                <a:solidFill>
-                  <a:srgbClr val="00565B"/>
-                </a:solidFill>
-              </a:rPr>
-              <a:t>serves a sprawling rural county and carries all of the documents she’ll need for the day in file boxes in her car. She is often called into crisis situations where a child needs immediate placement.</a:t>
-            </a:r>
-            <a:endParaRPr lang="en-US" sz="1400" dirty="0" smtClean="0">
-              <a:solidFill>
-                <a:srgbClr val="00565B"/>
-              </a:solidFill>
-            </a:endParaRPr>
+              <a:t>Jill has been a caseworker 7 years with the state. Her caseload averages around 22 kids at any given time (3-4 of which are foster children). She makes sure to visit each child twice a month on top of many other duties. Jill serves a sprawling rural county and carries all of the documents she’ll need for the day in file boxes in her car. She is often called into crisis situations where a child needs immediate placement.</a:t>
+            </a:r>
           </a:p>
           <a:p>
             <a:r>
@@ -11112,21 +10966,8 @@
                   <a:srgbClr val="00565B"/>
                 </a:solidFill>
               </a:rPr>
-              <a:t>To </a:t>
-            </a:r>
-            <a:r>
-              <a:rPr lang="en-US" sz="1400" dirty="0" smtClean="0">
-                <a:solidFill>
-                  <a:srgbClr val="00565B"/>
-                </a:solidFill>
-              </a:rPr>
-              <a:t>make sure each child is receiving the proper services and care</a:t>
-            </a:r>
-            <a:endParaRPr lang="en-US" sz="1400" dirty="0" smtClean="0">
-              <a:solidFill>
-                <a:srgbClr val="00565B"/>
-              </a:solidFill>
-            </a:endParaRPr>
+              <a:t>To make sure each child is receiving the proper services and care</a:t>
+            </a:r>
           </a:p>
           <a:p>
             <a:pPr marL="285750" indent="-285750">
@@ -11141,11 +10982,6 @@
               </a:rPr>
               <a:t>To balance giving each child attention and care with a heavy caseload</a:t>
             </a:r>
-            <a:endParaRPr lang="en-US" sz="1400" dirty="0" smtClean="0">
-              <a:solidFill>
-                <a:srgbClr val="00565B"/>
-              </a:solidFill>
-            </a:endParaRPr>
           </a:p>
           <a:p>
             <a:r>
@@ -11156,11 +10992,6 @@
               </a:rPr>
               <a:t>Frustrations</a:t>
             </a:r>
-            <a:endParaRPr lang="en-US" sz="1600" b="1" dirty="0" smtClean="0">
-              <a:solidFill>
-                <a:srgbClr val="00565B"/>
-              </a:solidFill>
-            </a:endParaRPr>
           </a:p>
           <a:p>
             <a:pPr marL="285750" indent="-285750">
@@ -11175,11 +11006,6 @@
               </a:rPr>
               <a:t>Clunky systems, websites, and technology</a:t>
             </a:r>
-            <a:endParaRPr lang="en-US" sz="1400" dirty="0" smtClean="0">
-              <a:solidFill>
-                <a:srgbClr val="00565B"/>
-              </a:solidFill>
-            </a:endParaRPr>
           </a:p>
           <a:p>
             <a:pPr marL="285750" indent="-285750">
@@ -11192,21 +11018,8 @@
                   <a:srgbClr val="00565B"/>
                 </a:solidFill>
               </a:rPr>
-              <a:t>P</a:t>
-            </a:r>
-            <a:r>
-              <a:rPr lang="en-US" sz="1400" dirty="0" smtClean="0">
-                <a:solidFill>
-                  <a:srgbClr val="00565B"/>
-                </a:solidFill>
-              </a:rPr>
-              <a:t>aperwork documenting contact with providers</a:t>
-            </a:r>
-            <a:endParaRPr lang="en-US" sz="1400" dirty="0" smtClean="0">
-              <a:solidFill>
-                <a:srgbClr val="00565B"/>
-              </a:solidFill>
-            </a:endParaRPr>
+              <a:t>Paperwork documenting contact with providers</a:t>
+            </a:r>
           </a:p>
           <a:p>
             <a:pPr marL="285750" indent="-285750">
@@ -13503,11 +13316,19 @@
           <a:bodyPr/>
           <a:lstStyle/>
           <a:p>
+            <a:pPr algn="ctr"/>
             <a:r>
               <a:rPr lang="en-US" sz="3200" dirty="0" smtClean="0"/>
-              <a:t>Andrea Washington</a:t>
-            </a:r>
-            <a:endParaRPr lang="en-US" sz="3200" dirty="0"/>
+              <a:t>Anna L.</a:t>
+            </a:r>
+            <a:br>
+              <a:rPr lang="en-US" sz="3200" dirty="0" smtClean="0"/>
+            </a:br>
+            <a:r>
+              <a:rPr lang="en-US" sz="800" dirty="0" smtClean="0"/>
+              <a:t>(Anna’s profile was created directly from a real user experience)</a:t>
+            </a:r>
+            <a:endParaRPr lang="en-US" sz="800" dirty="0"/>
           </a:p>
         </p:txBody>
       </p:sp>
@@ -13705,11 +13526,6 @@
               </a:rPr>
               <a:t>Caseworker (Private Contractor)</a:t>
             </a:r>
-            <a:endParaRPr lang="en-US" sz="1400" dirty="0" smtClean="0">
-              <a:solidFill>
-                <a:srgbClr val="00565B"/>
-              </a:solidFill>
-            </a:endParaRPr>
           </a:p>
           <a:p>
             <a:r>
@@ -13754,37 +13570,16 @@
                   <a:srgbClr val="00565B"/>
                 </a:solidFill>
               </a:rPr>
-              <a:t>Bio</a:t>
-            </a:r>
-            <a:r>
-              <a:rPr lang="en-US" sz="1600" b="1" dirty="0" smtClean="0">
+              <a:t>Bio: </a:t>
+            </a:r>
+            <a:r>
+              <a:rPr lang="en-US" sz="1400" dirty="0" smtClean="0">
                 <a:solidFill>
                   <a:srgbClr val="00565B"/>
                 </a:solidFill>
               </a:rPr>
-              <a:t>: </a:t>
-            </a:r>
-            <a:r>
-              <a:rPr lang="en-US" sz="1400" dirty="0" smtClean="0">
-                <a:solidFill>
-                  <a:srgbClr val="00565B"/>
-                </a:solidFill>
-              </a:rPr>
-              <a:t>Andrea has served as a caseworker for a private company contractin</a:t>
-            </a:r>
-            <a:r>
-              <a:rPr lang="en-US" sz="1400" dirty="0" smtClean="0">
-                <a:solidFill>
-                  <a:srgbClr val="00565B"/>
-                </a:solidFill>
-              </a:rPr>
-              <a:t>g to the State of Mississippi for two years. She is passionate about her job and spends long hours finding resources for the families she supports. She often works with children who have experienced trauma and have special needs for their placements.</a:t>
-            </a:r>
-            <a:endParaRPr lang="en-US" sz="1400" dirty="0" smtClean="0">
-              <a:solidFill>
-                <a:srgbClr val="00565B"/>
-              </a:solidFill>
-            </a:endParaRPr>
+              <a:t>Andrea has served as a caseworker for a private company contracting to the State of Mississippi for two years. She is passionate about her job and spends long hours finding resources for the families she supports. She often works with children who have experienced trauma and have special needs for their placements.</a:t>
+            </a:r>
           </a:p>
           <a:p>
             <a:r>
@@ -14069,29 +13864,8 @@
                   <a:srgbClr val="00565B"/>
                 </a:solidFill>
               </a:rPr>
-              <a:t>To </a:t>
-            </a:r>
-            <a:r>
-              <a:rPr lang="en-US" sz="1400" dirty="0" smtClean="0">
-                <a:solidFill>
-                  <a:srgbClr val="00565B"/>
-                </a:solidFill>
-              </a:rPr>
-              <a:t>ensure</a:t>
-            </a:r>
-            <a:r>
-              <a:rPr lang="en-US" sz="1400" dirty="0" smtClean="0">
-                <a:solidFill>
-                  <a:srgbClr val="00565B"/>
-                </a:solidFill>
-              </a:rPr>
-              <a:t> a stable and safe environment for the children for whom she is responsible</a:t>
-            </a:r>
-            <a:endParaRPr lang="en-US" sz="1400" dirty="0" smtClean="0">
-              <a:solidFill>
-                <a:srgbClr val="00565B"/>
-              </a:solidFill>
-            </a:endParaRPr>
+              <a:t>To ensure a stable and safe environment for the children for whom she is responsible</a:t>
+            </a:r>
           </a:p>
           <a:p>
             <a:pPr marL="285750" indent="-285750">
@@ -14104,21 +13878,8 @@
                   <a:srgbClr val="00565B"/>
                 </a:solidFill>
               </a:rPr>
-              <a:t>To </a:t>
-            </a:r>
-            <a:r>
-              <a:rPr lang="en-US" sz="1400" dirty="0" smtClean="0">
-                <a:solidFill>
-                  <a:srgbClr val="00565B"/>
-                </a:solidFill>
-              </a:rPr>
-              <a:t>provide resources to the foster families she works with so they will feel supported and stay in the foster system</a:t>
-            </a:r>
-            <a:endParaRPr lang="en-US" sz="1400" dirty="0" smtClean="0">
-              <a:solidFill>
-                <a:srgbClr val="00565B"/>
-              </a:solidFill>
-            </a:endParaRPr>
+              <a:t>To provide resources to the foster families she works with so they will feel supported and stay in the foster system</a:t>
+            </a:r>
           </a:p>
           <a:p>
             <a:r>
@@ -14129,11 +13890,6 @@
               </a:rPr>
               <a:t>Frustrations</a:t>
             </a:r>
-            <a:endParaRPr lang="en-US" sz="1600" b="1" dirty="0" smtClean="0">
-              <a:solidFill>
-                <a:srgbClr val="00565B"/>
-              </a:solidFill>
-            </a:endParaRPr>
           </a:p>
           <a:p>
             <a:pPr marL="285750" indent="-285750">
@@ -14148,11 +13904,6 @@
               </a:rPr>
               <a:t>Identifying facilities capable of providing special services</a:t>
             </a:r>
-            <a:endParaRPr lang="en-US" sz="1400" dirty="0" smtClean="0">
-              <a:solidFill>
-                <a:srgbClr val="00565B"/>
-              </a:solidFill>
-            </a:endParaRPr>
           </a:p>
           <a:p>
             <a:pPr marL="285750" indent="-285750">
@@ -14167,11 +13918,6 @@
               </a:rPr>
               <a:t>Having to toggle between different websites to get all of the information she needs</a:t>
             </a:r>
-            <a:endParaRPr lang="en-US" sz="1400" dirty="0" smtClean="0">
-              <a:solidFill>
-                <a:srgbClr val="00565B"/>
-              </a:solidFill>
-            </a:endParaRPr>
           </a:p>
         </p:txBody>
       </p:sp>
@@ -17909,6 +17655,23 @@
 </file>
 
 <file path=customXml/item1.xml><?xml version="1.0" encoding="utf-8"?>
+<p:properties xmlns:p="http://schemas.microsoft.com/office/2006/metadata/properties" xmlns:xsi="http://www.w3.org/2001/XMLSchema-instance" xmlns:pc="http://schemas.microsoft.com/office/infopath/2007/PartnerControls">
+  <documentManagement>
+    <Content_x0020_Category xmlns="29be814f-e5d3-43ac-9b9b-06885a4da0ae">General Office</Content_x0020_Category>
+  </documentManagement>
+</p:properties>
+</file>
+
+<file path=customXml/item2.xml><?xml version="1.0" encoding="utf-8"?>
+<?mso-contentType ?>
+<FormTemplates xmlns="http://schemas.microsoft.com/sharepoint/v3/contenttype/forms">
+  <Display>DocumentLibraryForm</Display>
+  <Edit>DocumentLibraryForm</Edit>
+  <New>DocumentLibraryForm</New>
+</FormTemplates>
+</file>
+
+<file path=customXml/item3.xml><?xml version="1.0" encoding="utf-8"?>
 <ct:contentTypeSchema xmlns:ct="http://schemas.microsoft.com/office/2006/metadata/contentType" xmlns:ma="http://schemas.microsoft.com/office/2006/metadata/properties/metaAttributes" ct:_="" ma:_="" ma:contentTypeName="Document" ma:contentTypeID="0x0101005520BF7A75FD7C4A8FB823A7C1518292" ma:contentTypeVersion="2" ma:contentTypeDescription="Create a new document." ma:contentTypeScope="" ma:versionID="9ef3633fdd76ce860f9b1672984ff95a">
   <xsd:schema xmlns:xsd="http://www.w3.org/2001/XMLSchema" xmlns:xs="http://www.w3.org/2001/XMLSchema" xmlns:p="http://schemas.microsoft.com/office/2006/metadata/properties" xmlns:ns2="29be814f-e5d3-43ac-9b9b-06885a4da0ae" targetNamespace="http://schemas.microsoft.com/office/2006/metadata/properties" ma:root="true" ma:fieldsID="e273b331aed3408af0be62ccca625561" ns2:_="">
     <xsd:import namespace="29be814f-e5d3-43ac-9b9b-06885a4da0ae"/>
@@ -18043,24 +17806,31 @@
 </ct:contentTypeSchema>
 </file>
 
-<file path=customXml/item2.xml><?xml version="1.0" encoding="utf-8"?>
-<?mso-contentType ?>
-<FormTemplates xmlns="http://schemas.microsoft.com/sharepoint/v3/contenttype/forms">
-  <Display>DocumentLibraryForm</Display>
-  <Edit>DocumentLibraryForm</Edit>
-  <New>DocumentLibraryForm</New>
-</FormTemplates>
+<file path=customXml/itemProps1.xml><?xml version="1.0" encoding="utf-8"?>
+<ds:datastoreItem xmlns:ds="http://schemas.openxmlformats.org/officeDocument/2006/customXml" ds:itemID="{F75CF900-111C-4342-AAA0-7BB583EEDECA}">
+  <ds:schemaRefs>
+    <ds:schemaRef ds:uri="http://schemas.microsoft.com/office/infopath/2007/PartnerControls"/>
+    <ds:schemaRef ds:uri="http://schemas.microsoft.com/office/2006/metadata/properties"/>
+    <ds:schemaRef ds:uri="http://schemas.microsoft.com/office/2006/documentManagement/types"/>
+    <ds:schemaRef ds:uri="http://purl.org/dc/elements/1.1/"/>
+    <ds:schemaRef ds:uri="http://purl.org/dc/dcmitype/"/>
+    <ds:schemaRef ds:uri="http://schemas.openxmlformats.org/package/2006/metadata/core-properties"/>
+    <ds:schemaRef ds:uri="29be814f-e5d3-43ac-9b9b-06885a4da0ae"/>
+    <ds:schemaRef ds:uri="http://www.w3.org/XML/1998/namespace"/>
+    <ds:schemaRef ds:uri="http://purl.org/dc/terms/"/>
+  </ds:schemaRefs>
+</ds:datastoreItem>
 </file>
 
-<file path=customXml/item3.xml><?xml version="1.0" encoding="utf-8"?>
-<p:properties xmlns:p="http://schemas.microsoft.com/office/2006/metadata/properties" xmlns:xsi="http://www.w3.org/2001/XMLSchema-instance" xmlns:pc="http://schemas.microsoft.com/office/infopath/2007/PartnerControls">
-  <documentManagement>
-    <Content_x0020_Category xmlns="29be814f-e5d3-43ac-9b9b-06885a4da0ae">General Office</Content_x0020_Category>
-  </documentManagement>
-</p:properties>
+<file path=customXml/itemProps2.xml><?xml version="1.0" encoding="utf-8"?>
+<ds:datastoreItem xmlns:ds="http://schemas.openxmlformats.org/officeDocument/2006/customXml" ds:itemID="{CC6EABFE-0D27-4A3E-AD75-F617EADA44CF}">
+  <ds:schemaRefs>
+    <ds:schemaRef ds:uri="http://schemas.microsoft.com/sharepoint/v3/contenttype/forms"/>
+  </ds:schemaRefs>
+</ds:datastoreItem>
 </file>
 
-<file path=customXml/itemProps1.xml><?xml version="1.0" encoding="utf-8"?>
+<file path=customXml/itemProps3.xml><?xml version="1.0" encoding="utf-8"?>
 <ds:datastoreItem xmlns:ds="http://schemas.openxmlformats.org/officeDocument/2006/customXml" ds:itemID="{2E74F7D3-AC40-4F6F-9C32-D942CA6C45FD}">
   <ds:schemaRefs>
     <ds:schemaRef ds:uri="http://schemas.microsoft.com/office/2006/metadata/contentType"/>
@@ -18076,28 +17846,4 @@
     <ds:schemaRef ds:uri="http://schemas.microsoft.com/internal/obd"/>
   </ds:schemaRefs>
 </ds:datastoreItem>
-</file>
-
-<file path=customXml/itemProps2.xml><?xml version="1.0" encoding="utf-8"?>
-<ds:datastoreItem xmlns:ds="http://schemas.openxmlformats.org/officeDocument/2006/customXml" ds:itemID="{CC6EABFE-0D27-4A3E-AD75-F617EADA44CF}">
-  <ds:schemaRefs>
-    <ds:schemaRef ds:uri="http://schemas.microsoft.com/sharepoint/v3/contenttype/forms"/>
-  </ds:schemaRefs>
-</ds:datastoreItem>
-</file>
-
-<file path=customXml/itemProps3.xml><?xml version="1.0" encoding="utf-8"?>
-<ds:datastoreItem xmlns:ds="http://schemas.openxmlformats.org/officeDocument/2006/customXml" ds:itemID="{F75CF900-111C-4342-AAA0-7BB583EEDECA}">
-  <ds:schemaRefs>
-    <ds:schemaRef ds:uri="http://schemas.openxmlformats.org/package/2006/metadata/core-properties"/>
-    <ds:schemaRef ds:uri="http://www.w3.org/XML/1998/namespace"/>
-    <ds:schemaRef ds:uri="29be814f-e5d3-43ac-9b9b-06885a4da0ae"/>
-    <ds:schemaRef ds:uri="http://purl.org/dc/terms/"/>
-    <ds:schemaRef ds:uri="http://purl.org/dc/elements/1.1/"/>
-    <ds:schemaRef ds:uri="http://schemas.microsoft.com/office/2006/documentManagement/types"/>
-    <ds:schemaRef ds:uri="http://purl.org/dc/dcmitype/"/>
-    <ds:schemaRef ds:uri="http://schemas.microsoft.com/office/infopath/2007/PartnerControls"/>
-    <ds:schemaRef ds:uri="http://schemas.microsoft.com/office/2006/metadata/properties"/>
-  </ds:schemaRefs>
-</ds:datastoreItem>
 </file>